--- a/zs_sim_robot/meeting_0707/meeting_0707.pptx
+++ b/zs_sim_robot/meeting_0707/meeting_0707.pptx
@@ -5516,7 +5516,7 @@
                     <a:bodyPr/>
                     <a:lstStyle/>
                     <a:p>
-                      <a:endParaRPr lang="en-US" sz="1100"/>
+                      <a:endParaRPr lang="en-US" sz="1100" dirty="0"/>
                     </a:p>
                   </a:txBody>
                   <a:tcPr/>

--- a/zs_sim_robot/meeting_0707/meeting_0707.pptx
+++ b/zs_sim_robot/meeting_0707/meeting_0707.pptx
@@ -5063,7 +5063,7 @@
           <p:nvPr>
             <p:extLst>
               <p:ext uri="{D42A27DB-BD31-4B8C-83A1-F6EECF244321}">
-                <p14:modId xmlns:p14="http://schemas.microsoft.com/office/powerpoint/2010/main" val="2727899501"/>
+                <p14:modId xmlns:p14="http://schemas.microsoft.com/office/powerpoint/2010/main" val="1741208488"/>
               </p:ext>
             </p:extLst>
           </p:nvPr>
@@ -5114,17 +5114,10 @@
                     </a:ext>
                   </a:extLst>
                 </a:gridCol>
-                <a:gridCol w="731520">
+                <a:gridCol w="1463040">
                   <a:extLst>
                     <a:ext uri="{9D8B030D-6E8A-4147-A177-3AD203B41FA5}">
                       <a16:colId xmlns:a16="http://schemas.microsoft.com/office/drawing/2014/main" val="4233633033"/>
-                    </a:ext>
-                  </a:extLst>
-                </a:gridCol>
-                <a:gridCol w="731520">
-                  <a:extLst>
-                    <a:ext uri="{9D8B030D-6E8A-4147-A177-3AD203B41FA5}">
-                      <a16:colId xmlns:a16="http://schemas.microsoft.com/office/drawing/2014/main" val="1798771903"/>
                     </a:ext>
                   </a:extLst>
                 </a:gridCol>
@@ -5210,7 +5203,7 @@
                   </a:txBody>
                   <a:tcPr/>
                 </a:tc>
-                <a:tc rowSpan="2" gridSpan="2">
+                <a:tc rowSpan="2">
                   <a:txBody>
                     <a:bodyPr/>
                     <a:lstStyle/>
@@ -5223,16 +5216,6 @@
                     </a:p>
                   </a:txBody>
                   <a:tcPr anchor="ctr"/>
-                </a:tc>
-                <a:tc rowSpan="2" hMerge="1">
-                  <a:txBody>
-                    <a:bodyPr/>
-                    <a:lstStyle/>
-                    <a:p>
-                      <a:endParaRPr lang="en-US" sz="1100"/>
-                    </a:p>
-                  </a:txBody>
-                  <a:tcPr/>
                 </a:tc>
                 <a:tc gridSpan="2">
                   <a:txBody>
@@ -5339,26 +5322,7 @@
                     </a:solidFill>
                   </a:tcPr>
                 </a:tc>
-                <a:tc gridSpan="2" vMerge="1">
-                  <a:txBody>
-                    <a:bodyPr/>
-                    <a:lstStyle/>
-                    <a:p>
-                      <a:pPr algn="ctr"/>
-                      <a:endParaRPr lang="en-US" sz="1100" dirty="0">
-                        <a:solidFill>
-                          <a:schemeClr val="bg1"/>
-                        </a:solidFill>
-                      </a:endParaRPr>
-                    </a:p>
-                  </a:txBody>
-                  <a:tcPr anchor="ctr">
-                    <a:solidFill>
-                      <a:schemeClr val="accent1"/>
-                    </a:solidFill>
-                  </a:tcPr>
-                </a:tc>
-                <a:tc hMerge="1" vMerge="1">
+                <a:tc vMerge="1">
                   <a:txBody>
                     <a:bodyPr/>
                     <a:lstStyle/>
@@ -5486,16 +5450,6 @@
                     <a:bodyPr/>
                     <a:lstStyle/>
                     <a:p>
-                      <a:endParaRPr lang="en-US" sz="1100"/>
-                    </a:p>
-                  </a:txBody>
-                  <a:tcPr/>
-                </a:tc>
-                <a:tc>
-                  <a:txBody>
-                    <a:bodyPr/>
-                    <a:lstStyle/>
-                    <a:p>
                       <a:endParaRPr lang="en-US" sz="1100" dirty="0"/>
                     </a:p>
                   </a:txBody>
@@ -5596,16 +5550,6 @@
                     <a:bodyPr/>
                     <a:lstStyle/>
                     <a:p>
-                      <a:endParaRPr lang="en-US" sz="1100" dirty="0"/>
-                    </a:p>
-                  </a:txBody>
-                  <a:tcPr/>
-                </a:tc>
-                <a:tc>
-                  <a:txBody>
-                    <a:bodyPr/>
-                    <a:lstStyle/>
-                    <a:p>
                       <a:endParaRPr lang="en-US" sz="1100"/>
                     </a:p>
                   </a:txBody>
@@ -5686,17 +5630,7 @@
                     <a:bodyPr/>
                     <a:lstStyle/>
                     <a:p>
-                      <a:endParaRPr lang="en-US" sz="1100"/>
-                    </a:p>
-                  </a:txBody>
-                  <a:tcPr/>
-                </a:tc>
-                <a:tc>
-                  <a:txBody>
-                    <a:bodyPr/>
-                    <a:lstStyle/>
-                    <a:p>
-                      <a:endParaRPr lang="en-US" sz="1100"/>
+                      <a:endParaRPr lang="en-US" sz="1100" dirty="0"/>
                     </a:p>
                   </a:txBody>
                   <a:tcPr/>
@@ -5786,17 +5720,7 @@
                     <a:bodyPr/>
                     <a:lstStyle/>
                     <a:p>
-                      <a:endParaRPr lang="en-US" sz="1100"/>
-                    </a:p>
-                  </a:txBody>
-                  <a:tcPr/>
-                </a:tc>
-                <a:tc>
-                  <a:txBody>
-                    <a:bodyPr/>
-                    <a:lstStyle/>
-                    <a:p>
-                      <a:endParaRPr lang="en-US" sz="1100"/>
+                      <a:endParaRPr lang="en-US" sz="1100" dirty="0"/>
                     </a:p>
                   </a:txBody>
                   <a:tcPr/>
@@ -5886,17 +5810,7 @@
                     <a:bodyPr/>
                     <a:lstStyle/>
                     <a:p>
-                      <a:endParaRPr lang="en-US" sz="1100"/>
-                    </a:p>
-                  </a:txBody>
-                  <a:tcPr/>
-                </a:tc>
-                <a:tc>
-                  <a:txBody>
-                    <a:bodyPr/>
-                    <a:lstStyle/>
-                    <a:p>
-                      <a:endParaRPr lang="en-US" sz="1100"/>
+                      <a:endParaRPr lang="en-US" sz="1100" dirty="0"/>
                     </a:p>
                   </a:txBody>
                   <a:tcPr/>
@@ -5977,16 +5891,6 @@
                     <a:lstStyle/>
                     <a:p>
                       <a:endParaRPr lang="en-US" sz="1100"/>
-                    </a:p>
-                  </a:txBody>
-                  <a:tcPr/>
-                </a:tc>
-                <a:tc>
-                  <a:txBody>
-                    <a:bodyPr/>
-                    <a:lstStyle/>
-                    <a:p>
-                      <a:endParaRPr lang="en-US" sz="1100" dirty="0"/>
                     </a:p>
                   </a:txBody>
                   <a:tcPr/>
